--- a/Car Sales Application.pptx
+++ b/Car Sales Application.pptx
@@ -113,6 +113,11 @@
       </a:defRPr>
     </a:lvl9pPr>
   </p:defaultTextStyle>
+  <p:extLst>
+    <p:ext uri="{EFAFB233-063F-42B5-8137-9DF3F51BA10A}">
+      <p15:sldGuideLst xmlns:p15="http://schemas.microsoft.com/office/powerpoint/2012/main"/>
+    </p:ext>
+  </p:extLst>
 </p:presentation>
 </file>
 
@@ -287,7 +292,7 @@
           <a:p>
             <a:fld id="{D150701C-0EF7-4FDD-86B6-94C1201FD893}" type="datetimeFigureOut">
               <a:rPr lang="en-US" smtClean="0"/>
-              <a:t>08-Sep-22</a:t>
+              <a:t>09-Sep-22</a:t>
             </a:fld>
             <a:endParaRPr lang="en-US"/>
           </a:p>
@@ -599,7 +604,7 @@
           <a:p>
             <a:fld id="{D150701C-0EF7-4FDD-86B6-94C1201FD893}" type="datetimeFigureOut">
               <a:rPr lang="en-US" smtClean="0"/>
-              <a:t>08-Sep-22</a:t>
+              <a:t>09-Sep-22</a:t>
             </a:fld>
             <a:endParaRPr lang="en-US"/>
           </a:p>
@@ -821,7 +826,7 @@
           <a:p>
             <a:fld id="{D150701C-0EF7-4FDD-86B6-94C1201FD893}" type="datetimeFigureOut">
               <a:rPr lang="en-US" smtClean="0"/>
-              <a:t>08-Sep-22</a:t>
+              <a:t>09-Sep-22</a:t>
             </a:fld>
             <a:endParaRPr lang="en-US"/>
           </a:p>
@@ -1112,7 +1117,7 @@
           <a:p>
             <a:fld id="{D150701C-0EF7-4FDD-86B6-94C1201FD893}" type="datetimeFigureOut">
               <a:rPr lang="en-US" smtClean="0"/>
-              <a:t>08-Sep-22</a:t>
+              <a:t>09-Sep-22</a:t>
             </a:fld>
             <a:endParaRPr lang="en-US"/>
           </a:p>
@@ -1566,7 +1571,7 @@
           <a:p>
             <a:fld id="{D150701C-0EF7-4FDD-86B6-94C1201FD893}" type="datetimeFigureOut">
               <a:rPr lang="en-US" smtClean="0"/>
-              <a:t>08-Sep-22</a:t>
+              <a:t>09-Sep-22</a:t>
             </a:fld>
             <a:endParaRPr lang="en-US"/>
           </a:p>
@@ -2142,7 +2147,7 @@
           <a:p>
             <a:fld id="{D150701C-0EF7-4FDD-86B6-94C1201FD893}" type="datetimeFigureOut">
               <a:rPr lang="en-US" smtClean="0"/>
-              <a:t>08-Sep-22</a:t>
+              <a:t>09-Sep-22</a:t>
             </a:fld>
             <a:endParaRPr lang="en-US"/>
           </a:p>
@@ -2994,7 +2999,7 @@
           <a:p>
             <a:fld id="{D150701C-0EF7-4FDD-86B6-94C1201FD893}" type="datetimeFigureOut">
               <a:rPr lang="en-US" smtClean="0"/>
-              <a:t>08-Sep-22</a:t>
+              <a:t>09-Sep-22</a:t>
             </a:fld>
             <a:endParaRPr lang="en-US"/>
           </a:p>
@@ -3199,7 +3204,7 @@
           <a:p>
             <a:fld id="{D150701C-0EF7-4FDD-86B6-94C1201FD893}" type="datetimeFigureOut">
               <a:rPr lang="en-US" smtClean="0"/>
-              <a:t>08-Sep-22</a:t>
+              <a:t>09-Sep-22</a:t>
             </a:fld>
             <a:endParaRPr lang="en-US"/>
           </a:p>
@@ -3413,7 +3418,7 @@
           <a:p>
             <a:fld id="{D150701C-0EF7-4FDD-86B6-94C1201FD893}" type="datetimeFigureOut">
               <a:rPr lang="en-US" smtClean="0"/>
-              <a:t>08-Sep-22</a:t>
+              <a:t>09-Sep-22</a:t>
             </a:fld>
             <a:endParaRPr lang="en-US"/>
           </a:p>
@@ -3593,7 +3598,7 @@
           <a:p>
             <a:fld id="{D150701C-0EF7-4FDD-86B6-94C1201FD893}" type="datetimeFigureOut">
               <a:rPr lang="en-US" smtClean="0"/>
-              <a:t>08-Sep-22</a:t>
+              <a:t>09-Sep-22</a:t>
             </a:fld>
             <a:endParaRPr lang="en-US"/>
           </a:p>
@@ -3803,7 +3808,7 @@
           <a:p>
             <a:fld id="{D150701C-0EF7-4FDD-86B6-94C1201FD893}" type="datetimeFigureOut">
               <a:rPr lang="en-US" smtClean="0"/>
-              <a:t>08-Sep-22</a:t>
+              <a:t>09-Sep-22</a:t>
             </a:fld>
             <a:endParaRPr lang="en-US"/>
           </a:p>
@@ -4083,7 +4088,7 @@
           <a:p>
             <a:fld id="{D150701C-0EF7-4FDD-86B6-94C1201FD893}" type="datetimeFigureOut">
               <a:rPr lang="en-US" smtClean="0"/>
-              <a:t>08-Sep-22</a:t>
+              <a:t>09-Sep-22</a:t>
             </a:fld>
             <a:endParaRPr lang="en-US"/>
           </a:p>
@@ -4350,7 +4355,7 @@
           <a:p>
             <a:fld id="{D150701C-0EF7-4FDD-86B6-94C1201FD893}" type="datetimeFigureOut">
               <a:rPr lang="en-US" smtClean="0"/>
-              <a:t>08-Sep-22</a:t>
+              <a:t>09-Sep-22</a:t>
             </a:fld>
             <a:endParaRPr lang="en-US"/>
           </a:p>
@@ -4765,7 +4770,7 @@
           <a:p>
             <a:fld id="{D150701C-0EF7-4FDD-86B6-94C1201FD893}" type="datetimeFigureOut">
               <a:rPr lang="en-US" smtClean="0"/>
-              <a:t>08-Sep-22</a:t>
+              <a:t>09-Sep-22</a:t>
             </a:fld>
             <a:endParaRPr lang="en-US"/>
           </a:p>
@@ -4913,7 +4918,7 @@
           <a:p>
             <a:fld id="{D150701C-0EF7-4FDD-86B6-94C1201FD893}" type="datetimeFigureOut">
               <a:rPr lang="en-US" smtClean="0"/>
-              <a:t>08-Sep-22</a:t>
+              <a:t>09-Sep-22</a:t>
             </a:fld>
             <a:endParaRPr lang="en-US"/>
           </a:p>
@@ -5038,7 +5043,7 @@
           <a:p>
             <a:fld id="{D150701C-0EF7-4FDD-86B6-94C1201FD893}" type="datetimeFigureOut">
               <a:rPr lang="en-US" smtClean="0"/>
-              <a:t>08-Sep-22</a:t>
+              <a:t>09-Sep-22</a:t>
             </a:fld>
             <a:endParaRPr lang="en-US"/>
           </a:p>
@@ -5317,7 +5322,7 @@
           <a:p>
             <a:fld id="{D150701C-0EF7-4FDD-86B6-94C1201FD893}" type="datetimeFigureOut">
               <a:rPr lang="en-US" smtClean="0"/>
-              <a:t>08-Sep-22</a:t>
+              <a:t>09-Sep-22</a:t>
             </a:fld>
             <a:endParaRPr lang="en-US"/>
           </a:p>
@@ -5629,7 +5634,7 @@
           <a:p>
             <a:fld id="{D150701C-0EF7-4FDD-86B6-94C1201FD893}" type="datetimeFigureOut">
               <a:rPr lang="en-US" smtClean="0"/>
-              <a:t>08-Sep-22</a:t>
+              <a:t>09-Sep-22</a:t>
             </a:fld>
             <a:endParaRPr lang="en-US"/>
           </a:p>
@@ -5882,7 +5887,7 @@
           <a:p>
             <a:fld id="{D150701C-0EF7-4FDD-86B6-94C1201FD893}" type="datetimeFigureOut">
               <a:rPr lang="en-US" smtClean="0"/>
-              <a:t>08-Sep-22</a:t>
+              <a:t>09-Sep-22</a:t>
             </a:fld>
             <a:endParaRPr lang="en-US"/>
           </a:p>
@@ -6392,17 +6397,30 @@
           <a:p>
             <a:pPr algn="r"/>
             <a:r>
-              <a:rPr lang="en-US"/>
+              <a:rPr lang="en-US" dirty="0">
+                <a:solidFill>
+                  <a:schemeClr val="tx1">
+                    <a:lumMod val="85000"/>
+                    <a:lumOff val="15000"/>
+                  </a:schemeClr>
+                </a:solidFill>
+              </a:rPr>
               <a:t>By</a:t>
             </a:r>
           </a:p>
           <a:p>
             <a:pPr algn="r"/>
             <a:r>
-              <a:rPr lang="en-US"/>
+              <a:rPr lang="en-US" dirty="0">
+                <a:solidFill>
+                  <a:schemeClr val="tx1">
+                    <a:lumMod val="85000"/>
+                    <a:lumOff val="15000"/>
+                  </a:schemeClr>
+                </a:solidFill>
+              </a:rPr>
               <a:t>Aayush Gour</a:t>
             </a:r>
-            <a:endParaRPr lang="en-US" dirty="0"/>
           </a:p>
         </p:txBody>
       </p:sp>
